--- a/hw-paper/comp531.pptx
+++ b/hw-paper/comp531.pptx
@@ -1198,7 +1198,7 @@
                   <a:schemeClr val="dk1"/>
                 </a:solidFill>
               </a:rPr>
-              <a:t>the easiest example to explain is when you’re driving down the street. You’ve got the mountains in the background,  you’ve got the trees in the foreground. And as you look out your window, the trees seem to be moving a lot faster than the mountains in the background. And that perceived difference in speed gives the landscape its depth. So a website with parallax scrolling helps </a:t>
+              <a:t>the easiest example to explain’ is when you’re driving down the street. You’ve got the mountains in the background,  you’ve got the trees in the foreground. And as you look out your window, the trees seem to be moving a lot faster than the mountains in the background. And that perceived difference in speed’ gives the landscape its depth. So a website with parallax scrolling helps </a:t>
             </a:r>
             <a:r>
               <a:rPr lang="en-US" sz="1100" b="0" i="0" kern="1200" dirty="0" smtClean="0">
@@ -1437,12 +1437,20 @@
               <a:buNone/>
             </a:pPr>
             <a:r>
+              <a:rPr lang="en-US" sz="1800" smtClean="0">
+                <a:solidFill>
+                  <a:schemeClr val="dk1"/>
+                </a:solidFill>
+              </a:rPr>
+              <a:t>has </a:t>
+            </a:r>
+            <a:r>
               <a:rPr lang="en-US" sz="1800" dirty="0" smtClean="0">
                 <a:solidFill>
                   <a:schemeClr val="dk1"/>
                 </a:solidFill>
               </a:rPr>
-              <a:t>Has the advantages of :</a:t>
+              <a:t>the advantages of :</a:t>
             </a:r>
           </a:p>
           <a:p>
@@ -1608,10 +1616,18 @@
                 <a:ea typeface="+mn-ea"/>
                 <a:cs typeface="+mn-cs"/>
               </a:rPr>
-              <a:t>Search engine </a:t>
+              <a:t>Search engine optimization</a:t>
             </a:r>
+          </a:p>
+          <a:p>
+            <a:pPr lvl="0" rtl="0">
+              <a:spcBef>
+                <a:spcPts val="640"/>
+              </a:spcBef>
+              <a:buNone/>
+            </a:pPr>
             <a:r>
-              <a:rPr lang="en-US" sz="1100" b="0" i="0" kern="1200" dirty="0" err="1" smtClean="0">
+              <a:rPr lang="en-US" sz="1100" b="1" i="0" kern="1200" dirty="0" smtClean="0">
                 <a:solidFill>
                   <a:schemeClr val="tx1"/>
                 </a:solidFill>
@@ -1620,7 +1636,139 @@
                 <a:ea typeface="+mn-ea"/>
                 <a:cs typeface="+mn-cs"/>
               </a:rPr>
-              <a:t>opitimization</a:t>
+              <a:t>Search engine optimization</a:t>
+            </a:r>
+            <a:r>
+              <a:rPr lang="en-US" sz="1100" b="0" i="0" kern="1200" dirty="0" smtClean="0">
+                <a:solidFill>
+                  <a:schemeClr val="tx1"/>
+                </a:solidFill>
+                <a:effectLst/>
+                <a:latin typeface="+mn-lt"/>
+                <a:ea typeface="+mn-ea"/>
+                <a:cs typeface="+mn-cs"/>
+              </a:rPr>
+              <a:t> (</a:t>
+            </a:r>
+            <a:r>
+              <a:rPr lang="en-US" sz="1100" b="1" i="0" kern="1200" dirty="0" smtClean="0">
+                <a:solidFill>
+                  <a:schemeClr val="tx1"/>
+                </a:solidFill>
+                <a:effectLst/>
+                <a:latin typeface="+mn-lt"/>
+                <a:ea typeface="+mn-ea"/>
+                <a:cs typeface="+mn-cs"/>
+              </a:rPr>
+              <a:t>SEO</a:t>
+            </a:r>
+            <a:r>
+              <a:rPr lang="en-US" sz="1100" b="0" i="0" kern="1200" dirty="0" smtClean="0">
+                <a:solidFill>
+                  <a:schemeClr val="tx1"/>
+                </a:solidFill>
+                <a:effectLst/>
+                <a:latin typeface="+mn-lt"/>
+                <a:ea typeface="+mn-ea"/>
+                <a:cs typeface="+mn-cs"/>
+              </a:rPr>
+              <a:t>) is the process of affecting the visibility of a </a:t>
+            </a:r>
+            <a:r>
+              <a:rPr lang="en-US" sz="1100" b="0" i="0" u="none" strike="noStrike" kern="1200" dirty="0" smtClean="0">
+                <a:solidFill>
+                  <a:schemeClr val="tx1"/>
+                </a:solidFill>
+                <a:effectLst/>
+                <a:latin typeface="+mn-lt"/>
+                <a:ea typeface="+mn-ea"/>
+                <a:cs typeface="+mn-cs"/>
+              </a:rPr>
+              <a:t>website</a:t>
+            </a:r>
+            <a:r>
+              <a:rPr lang="en-US" sz="1100" b="0" i="0" kern="1200" dirty="0" smtClean="0">
+                <a:solidFill>
+                  <a:schemeClr val="tx1"/>
+                </a:solidFill>
+                <a:effectLst/>
+                <a:latin typeface="+mn-lt"/>
+                <a:ea typeface="+mn-ea"/>
+                <a:cs typeface="+mn-cs"/>
+              </a:rPr>
+              <a:t> or a </a:t>
+            </a:r>
+            <a:r>
+              <a:rPr lang="en-US" sz="1100" b="0" i="0" u="none" strike="noStrike" kern="1200" dirty="0" smtClean="0">
+                <a:solidFill>
+                  <a:schemeClr val="tx1"/>
+                </a:solidFill>
+                <a:effectLst/>
+                <a:latin typeface="+mn-lt"/>
+                <a:ea typeface="+mn-ea"/>
+                <a:cs typeface="+mn-cs"/>
+              </a:rPr>
+              <a:t>web page</a:t>
+            </a:r>
+            <a:r>
+              <a:rPr lang="en-US" sz="1100" b="0" i="0" kern="1200" dirty="0" smtClean="0">
+                <a:solidFill>
+                  <a:schemeClr val="tx1"/>
+                </a:solidFill>
+                <a:effectLst/>
+                <a:latin typeface="+mn-lt"/>
+                <a:ea typeface="+mn-ea"/>
+                <a:cs typeface="+mn-cs"/>
+              </a:rPr>
+              <a:t> in a </a:t>
+            </a:r>
+            <a:r>
+              <a:rPr lang="en-US" sz="1100" b="0" i="0" u="none" strike="noStrike" kern="1200" dirty="0" smtClean="0">
+                <a:solidFill>
+                  <a:schemeClr val="tx1"/>
+                </a:solidFill>
+                <a:effectLst/>
+                <a:latin typeface="+mn-lt"/>
+                <a:ea typeface="+mn-ea"/>
+                <a:cs typeface="+mn-cs"/>
+              </a:rPr>
+              <a:t>web search engine</a:t>
+            </a:r>
+            <a:r>
+              <a:rPr lang="en-US" sz="1100" b="0" i="0" kern="1200" dirty="0" smtClean="0">
+                <a:solidFill>
+                  <a:schemeClr val="tx1"/>
+                </a:solidFill>
+                <a:effectLst/>
+                <a:latin typeface="+mn-lt"/>
+                <a:ea typeface="+mn-ea"/>
+                <a:cs typeface="+mn-cs"/>
+              </a:rPr>
+              <a:t>'s unpaid results.</a:t>
+            </a:r>
+            <a:r>
+              <a:rPr lang="en-US" sz="1100" b="0" i="0" kern="1200" baseline="0" dirty="0" smtClean="0">
+                <a:solidFill>
+                  <a:schemeClr val="tx1"/>
+                </a:solidFill>
+                <a:effectLst/>
+                <a:latin typeface="+mn-lt"/>
+                <a:ea typeface="+mn-ea"/>
+                <a:cs typeface="+mn-cs"/>
+              </a:rPr>
+              <a:t> </a:t>
+            </a:r>
+            <a:r>
+              <a:rPr lang="en-US" sz="1100" b="0" i="0" kern="1200" dirty="0" smtClean="0">
+                <a:solidFill>
+                  <a:schemeClr val="tx1"/>
+                </a:solidFill>
+                <a:effectLst/>
+                <a:latin typeface="+mn-lt"/>
+                <a:ea typeface="+mn-ea"/>
+                <a:cs typeface="+mn-cs"/>
+              </a:rPr>
+              <a:t>In general, the earlier (or higher ranked on the search results page), and more frequently a site appears in the search results list, the more visitors it will receive from the search engine's users;</a:t>
             </a:r>
             <a:endParaRPr lang="en" sz="1800" dirty="0">
               <a:solidFill>
@@ -1856,7 +2004,63 @@
                 <a:ea typeface="+mn-ea"/>
                 <a:cs typeface="+mn-cs"/>
               </a:rPr>
-              <a:t>Use a container element and add a background image to the container with a specific height. Then use the </a:t>
+              <a:t>So how to create</a:t>
+            </a:r>
+            <a:r>
+              <a:rPr lang="en-US" sz="1100" b="0" i="0" kern="1200" baseline="0" dirty="0" smtClean="0">
+                <a:solidFill>
+                  <a:schemeClr val="tx1"/>
+                </a:solidFill>
+                <a:effectLst/>
+                <a:latin typeface="+mn-lt"/>
+                <a:ea typeface="+mn-ea"/>
+                <a:cs typeface="+mn-cs"/>
+              </a:rPr>
+              <a:t> a parallax scrolling effect?</a:t>
+            </a:r>
+          </a:p>
+          <a:p>
+            <a:pPr lvl="0" rtl="0">
+              <a:spcBef>
+                <a:spcPts val="640"/>
+              </a:spcBef>
+              <a:buNone/>
+            </a:pPr>
+            <a:r>
+              <a:rPr lang="en-US" sz="1100" b="0" i="0" kern="1200" dirty="0" smtClean="0">
+                <a:solidFill>
+                  <a:schemeClr val="tx1"/>
+                </a:solidFill>
+                <a:effectLst/>
+                <a:latin typeface="+mn-lt"/>
+                <a:ea typeface="+mn-ea"/>
+                <a:cs typeface="+mn-cs"/>
+              </a:rPr>
+              <a:t>It’s rather simple. Inside</a:t>
+            </a:r>
+            <a:r>
+              <a:rPr lang="en-US" sz="1100" b="0" i="0" kern="1200" baseline="0" dirty="0" smtClean="0">
+                <a:solidFill>
+                  <a:schemeClr val="tx1"/>
+                </a:solidFill>
+                <a:effectLst/>
+                <a:latin typeface="+mn-lt"/>
+                <a:ea typeface="+mn-ea"/>
+                <a:cs typeface="+mn-cs"/>
+              </a:rPr>
+              <a:t> html, u</a:t>
+            </a:r>
+            <a:r>
+              <a:rPr lang="en-US" sz="1100" b="0" i="0" kern="1200" dirty="0" smtClean="0">
+                <a:solidFill>
+                  <a:schemeClr val="tx1"/>
+                </a:solidFill>
+                <a:effectLst/>
+                <a:latin typeface="+mn-lt"/>
+                <a:ea typeface="+mn-ea"/>
+                <a:cs typeface="+mn-cs"/>
+              </a:rPr>
+              <a:t>se a container element’ and add a background image to the container’ with a specific height. Then use the </a:t>
             </a:r>
             <a:r>
               <a:rPr lang="en-US" dirty="0" smtClean="0"/>
@@ -1872,7 +2076,7 @@
                 <a:ea typeface="+mn-ea"/>
                 <a:cs typeface="+mn-cs"/>
               </a:rPr>
-              <a:t> to create the actual parallax effect. The other background properties are used to center and scale the image perfectly</a:t>
+              <a:t> to create the actual parallax effect. The other background properties’ are used to center and scale the image perfectly</a:t>
             </a:r>
           </a:p>
           <a:p>
@@ -18640,7 +18844,7 @@
               <a:t>SEO takes a hit</a:t>
             </a:r>
             <a:r>
-              <a:rPr lang="en-US" smtClean="0"/>
+              <a:rPr lang="en-US" dirty="0" smtClean="0"/>
               <a:t>, because </a:t>
             </a:r>
             <a:r>
@@ -18678,8 +18882,13 @@
             </a:r>
             <a:r>
               <a:rPr lang="en-US" dirty="0" smtClean="0"/>
-              <a:t>with mobile design</a:t>
+              <a:t>with all </a:t>
             </a:r>
+            <a:r>
+              <a:rPr lang="en-US" smtClean="0"/>
+              <a:t>mobile devices</a:t>
+            </a:r>
+            <a:endParaRPr lang="en-US" dirty="0" smtClean="0"/>
           </a:p>
           <a:p>
             <a:endParaRPr lang="en-US" dirty="0" smtClean="0"/>
